--- a/API/Regulation/slides/GenomeStatisticsWithRegulatoryFeatures.pptx
+++ b/API/Regulation/slides/GenomeStatisticsWithRegulatoryFeatures.pptx
@@ -69,8 +69,8 @@
         </p:nvSpPr>
         <p:spPr>
           <a:xfrm>
-            <a:off x="685800" y="533520"/>
-            <a:ext cx="7772040" cy="914400"/>
+            <a:off x="457200" y="273600"/>
+            <a:ext cx="8229240" cy="1145160"/>
           </a:xfrm>
           <a:prstGeom prst="rect">
             <a:avLst/>
@@ -79,6 +79,7 @@
         <p:txBody>
           <a:bodyPr lIns="0" rIns="0" tIns="0" bIns="0" anchor="ctr"/>
           <a:p>
+            <a:pPr algn="ctr"/>
             <a:endParaRPr/>
           </a:p>
         </p:txBody>
@@ -95,8 +96,8 @@
         </p:nvSpPr>
         <p:spPr>
           <a:xfrm>
-            <a:off x="685800" y="1600200"/>
-            <a:ext cx="7772040" cy="2071440"/>
+            <a:off x="457200" y="1604520"/>
+            <a:ext cx="8229240" cy="1896840"/>
           </a:xfrm>
           <a:prstGeom prst="rect">
             <a:avLst/>
@@ -121,8 +122,8 @@
         </p:nvSpPr>
         <p:spPr>
           <a:xfrm>
-            <a:off x="685800" y="3868920"/>
-            <a:ext cx="7772040" cy="2071440"/>
+            <a:off x="457200" y="3682080"/>
+            <a:ext cx="8229240" cy="1896840"/>
           </a:xfrm>
           <a:prstGeom prst="rect">
             <a:avLst/>
@@ -169,8 +170,8 @@
         </p:nvSpPr>
         <p:spPr>
           <a:xfrm>
-            <a:off x="685800" y="533520"/>
-            <a:ext cx="7772040" cy="914400"/>
+            <a:off x="457200" y="273600"/>
+            <a:ext cx="8229240" cy="1145160"/>
           </a:xfrm>
           <a:prstGeom prst="rect">
             <a:avLst/>
@@ -179,6 +180,7 @@
         <p:txBody>
           <a:bodyPr lIns="0" rIns="0" tIns="0" bIns="0" anchor="ctr"/>
           <a:p>
+            <a:pPr algn="ctr"/>
             <a:endParaRPr/>
           </a:p>
         </p:txBody>
@@ -195,8 +197,8 @@
         </p:nvSpPr>
         <p:spPr>
           <a:xfrm>
-            <a:off x="685800" y="1600200"/>
-            <a:ext cx="3792600" cy="2071440"/>
+            <a:off x="457200" y="1604520"/>
+            <a:ext cx="4015800" cy="1896840"/>
           </a:xfrm>
           <a:prstGeom prst="rect">
             <a:avLst/>
@@ -221,8 +223,8 @@
         </p:nvSpPr>
         <p:spPr>
           <a:xfrm>
-            <a:off x="4668480" y="1600200"/>
-            <a:ext cx="3792600" cy="2071440"/>
+            <a:off x="4674240" y="1604520"/>
+            <a:ext cx="4015800" cy="1896840"/>
           </a:xfrm>
           <a:prstGeom prst="rect">
             <a:avLst/>
@@ -247,8 +249,8 @@
         </p:nvSpPr>
         <p:spPr>
           <a:xfrm>
-            <a:off x="4668480" y="3868920"/>
-            <a:ext cx="3792600" cy="2071440"/>
+            <a:off x="4674240" y="3682080"/>
+            <a:ext cx="4015800" cy="1896840"/>
           </a:xfrm>
           <a:prstGeom prst="rect">
             <a:avLst/>
@@ -273,8 +275,8 @@
         </p:nvSpPr>
         <p:spPr>
           <a:xfrm>
-            <a:off x="685800" y="3868920"/>
-            <a:ext cx="3792600" cy="2071440"/>
+            <a:off x="457200" y="3682080"/>
+            <a:ext cx="4015800" cy="1896840"/>
           </a:xfrm>
           <a:prstGeom prst="rect">
             <a:avLst/>
@@ -321,8 +323,8 @@
         </p:nvSpPr>
         <p:spPr>
           <a:xfrm>
-            <a:off x="685800" y="533520"/>
-            <a:ext cx="7772040" cy="914400"/>
+            <a:off x="457200" y="273600"/>
+            <a:ext cx="8229240" cy="1145160"/>
           </a:xfrm>
           <a:prstGeom prst="rect">
             <a:avLst/>
@@ -331,6 +333,7 @@
         <p:txBody>
           <a:bodyPr lIns="0" rIns="0" tIns="0" bIns="0" anchor="ctr"/>
           <a:p>
+            <a:pPr algn="ctr"/>
             <a:endParaRPr/>
           </a:p>
         </p:txBody>
@@ -347,8 +350,8 @@
         </p:nvSpPr>
         <p:spPr>
           <a:xfrm>
-            <a:off x="685800" y="1600200"/>
-            <a:ext cx="7772040" cy="4343040"/>
+            <a:off x="457200" y="1604520"/>
+            <a:ext cx="8229240" cy="3977280"/>
           </a:xfrm>
           <a:prstGeom prst="rect">
             <a:avLst/>
@@ -373,8 +376,8 @@
         </p:nvSpPr>
         <p:spPr>
           <a:xfrm>
-            <a:off x="685800" y="1600200"/>
-            <a:ext cx="7772040" cy="4343040"/>
+            <a:off x="457200" y="1604520"/>
+            <a:ext cx="8229240" cy="3977280"/>
           </a:xfrm>
           <a:prstGeom prst="rect">
             <a:avLst/>
@@ -401,8 +404,8 @@
         </p:blipFill>
         <p:spPr>
           <a:xfrm>
-            <a:off x="1850040" y="1600200"/>
-            <a:ext cx="5443200" cy="4343040"/>
+            <a:off x="2079000" y="1604520"/>
+            <a:ext cx="4984920" cy="3977280"/>
           </a:xfrm>
           <a:prstGeom prst="rect">
             <a:avLst/>
@@ -426,8 +429,8 @@
         </p:blipFill>
         <p:spPr>
           <a:xfrm>
-            <a:off x="1850040" y="1600200"/>
-            <a:ext cx="5443200" cy="4343040"/>
+            <a:off x="2079000" y="1604520"/>
+            <a:ext cx="4984920" cy="3977280"/>
           </a:xfrm>
           <a:prstGeom prst="rect">
             <a:avLst/>
@@ -493,8 +496,8 @@
         </p:nvSpPr>
         <p:spPr>
           <a:xfrm>
-            <a:off x="685800" y="533520"/>
-            <a:ext cx="7772040" cy="914400"/>
+            <a:off x="457200" y="273600"/>
+            <a:ext cx="8229240" cy="1145160"/>
           </a:xfrm>
           <a:prstGeom prst="rect">
             <a:avLst/>
@@ -503,6 +506,7 @@
         <p:txBody>
           <a:bodyPr lIns="0" rIns="0" tIns="0" bIns="0" anchor="ctr"/>
           <a:p>
+            <a:pPr algn="ctr"/>
             <a:endParaRPr/>
           </a:p>
         </p:txBody>
@@ -519,8 +523,8 @@
         </p:nvSpPr>
         <p:spPr>
           <a:xfrm>
-            <a:off x="685800" y="1600200"/>
-            <a:ext cx="7772040" cy="4343400"/>
+            <a:off x="457200" y="1604520"/>
+            <a:ext cx="8229240" cy="3977640"/>
           </a:xfrm>
           <a:prstGeom prst="rect">
             <a:avLst/>
@@ -568,8 +572,8 @@
         </p:nvSpPr>
         <p:spPr>
           <a:xfrm>
-            <a:off x="685800" y="533520"/>
-            <a:ext cx="7772040" cy="914400"/>
+            <a:off x="457200" y="273600"/>
+            <a:ext cx="8229240" cy="1145160"/>
           </a:xfrm>
           <a:prstGeom prst="rect">
             <a:avLst/>
@@ -578,6 +582,7 @@
         <p:txBody>
           <a:bodyPr lIns="0" rIns="0" tIns="0" bIns="0" anchor="ctr"/>
           <a:p>
+            <a:pPr algn="ctr"/>
             <a:endParaRPr/>
           </a:p>
         </p:txBody>
@@ -594,8 +599,8 @@
         </p:nvSpPr>
         <p:spPr>
           <a:xfrm>
-            <a:off x="685800" y="1600200"/>
-            <a:ext cx="7772040" cy="4343040"/>
+            <a:off x="457200" y="1604520"/>
+            <a:ext cx="8229240" cy="3977280"/>
           </a:xfrm>
           <a:prstGeom prst="rect">
             <a:avLst/>
@@ -642,8 +647,8 @@
         </p:nvSpPr>
         <p:spPr>
           <a:xfrm>
-            <a:off x="685800" y="533520"/>
-            <a:ext cx="7772040" cy="914400"/>
+            <a:off x="457200" y="273600"/>
+            <a:ext cx="8229240" cy="1145160"/>
           </a:xfrm>
           <a:prstGeom prst="rect">
             <a:avLst/>
@@ -652,6 +657,7 @@
         <p:txBody>
           <a:bodyPr lIns="0" rIns="0" tIns="0" bIns="0" anchor="ctr"/>
           <a:p>
+            <a:pPr algn="ctr"/>
             <a:endParaRPr/>
           </a:p>
         </p:txBody>
@@ -668,8 +674,8 @@
         </p:nvSpPr>
         <p:spPr>
           <a:xfrm>
-            <a:off x="685800" y="1600200"/>
-            <a:ext cx="3792600" cy="4343040"/>
+            <a:off x="457200" y="1604520"/>
+            <a:ext cx="4015800" cy="3977280"/>
           </a:xfrm>
           <a:prstGeom prst="rect">
             <a:avLst/>
@@ -694,8 +700,8 @@
         </p:nvSpPr>
         <p:spPr>
           <a:xfrm>
-            <a:off x="4668480" y="1600200"/>
-            <a:ext cx="3792600" cy="4343040"/>
+            <a:off x="4674240" y="1604520"/>
+            <a:ext cx="4015800" cy="3977280"/>
           </a:xfrm>
           <a:prstGeom prst="rect">
             <a:avLst/>
@@ -742,8 +748,8 @@
         </p:nvSpPr>
         <p:spPr>
           <a:xfrm>
-            <a:off x="685800" y="533520"/>
-            <a:ext cx="7772040" cy="914400"/>
+            <a:off x="457200" y="273600"/>
+            <a:ext cx="8229240" cy="1145160"/>
           </a:xfrm>
           <a:prstGeom prst="rect">
             <a:avLst/>
@@ -752,6 +758,7 @@
         <p:txBody>
           <a:bodyPr lIns="0" rIns="0" tIns="0" bIns="0" anchor="ctr"/>
           <a:p>
+            <a:pPr algn="ctr"/>
             <a:endParaRPr/>
           </a:p>
         </p:txBody>
@@ -790,8 +797,8 @@
         </p:nvSpPr>
         <p:spPr>
           <a:xfrm>
-            <a:off x="685800" y="533520"/>
-            <a:ext cx="7772040" cy="4238640"/>
+            <a:off x="457200" y="273600"/>
+            <a:ext cx="8229240" cy="5308200"/>
           </a:xfrm>
           <a:prstGeom prst="rect">
             <a:avLst/>
@@ -839,8 +846,8 @@
         </p:nvSpPr>
         <p:spPr>
           <a:xfrm>
-            <a:off x="685800" y="533520"/>
-            <a:ext cx="7772040" cy="914400"/>
+            <a:off x="457200" y="273600"/>
+            <a:ext cx="8229240" cy="1145160"/>
           </a:xfrm>
           <a:prstGeom prst="rect">
             <a:avLst/>
@@ -849,6 +856,7 @@
         <p:txBody>
           <a:bodyPr lIns="0" rIns="0" tIns="0" bIns="0" anchor="ctr"/>
           <a:p>
+            <a:pPr algn="ctr"/>
             <a:endParaRPr/>
           </a:p>
         </p:txBody>
@@ -865,8 +873,8 @@
         </p:nvSpPr>
         <p:spPr>
           <a:xfrm>
-            <a:off x="685800" y="1600200"/>
-            <a:ext cx="3792600" cy="2071440"/>
+            <a:off x="457200" y="1604520"/>
+            <a:ext cx="4015800" cy="1896840"/>
           </a:xfrm>
           <a:prstGeom prst="rect">
             <a:avLst/>
@@ -891,8 +899,8 @@
         </p:nvSpPr>
         <p:spPr>
           <a:xfrm>
-            <a:off x="685800" y="3868920"/>
-            <a:ext cx="3792600" cy="2071440"/>
+            <a:off x="457200" y="3682080"/>
+            <a:ext cx="4015800" cy="1896840"/>
           </a:xfrm>
           <a:prstGeom prst="rect">
             <a:avLst/>
@@ -917,8 +925,8 @@
         </p:nvSpPr>
         <p:spPr>
           <a:xfrm>
-            <a:off x="4668480" y="1600200"/>
-            <a:ext cx="3792600" cy="4343040"/>
+            <a:off x="4674240" y="1604520"/>
+            <a:ext cx="4015800" cy="3977280"/>
           </a:xfrm>
           <a:prstGeom prst="rect">
             <a:avLst/>
@@ -965,8 +973,8 @@
         </p:nvSpPr>
         <p:spPr>
           <a:xfrm>
-            <a:off x="685800" y="533520"/>
-            <a:ext cx="7772040" cy="914400"/>
+            <a:off x="457200" y="273600"/>
+            <a:ext cx="8229240" cy="1145160"/>
           </a:xfrm>
           <a:prstGeom prst="rect">
             <a:avLst/>
@@ -975,6 +983,7 @@
         <p:txBody>
           <a:bodyPr lIns="0" rIns="0" tIns="0" bIns="0" anchor="ctr"/>
           <a:p>
+            <a:pPr algn="ctr"/>
             <a:endParaRPr/>
           </a:p>
         </p:txBody>
@@ -991,8 +1000,8 @@
         </p:nvSpPr>
         <p:spPr>
           <a:xfrm>
-            <a:off x="685800" y="1600200"/>
-            <a:ext cx="7772040" cy="4343400"/>
+            <a:off x="457200" y="1604520"/>
+            <a:ext cx="8229240" cy="3977640"/>
           </a:xfrm>
           <a:prstGeom prst="rect">
             <a:avLst/>
@@ -1040,8 +1049,8 @@
         </p:nvSpPr>
         <p:spPr>
           <a:xfrm>
-            <a:off x="685800" y="533520"/>
-            <a:ext cx="7772040" cy="914400"/>
+            <a:off x="457200" y="273600"/>
+            <a:ext cx="8229240" cy="1145160"/>
           </a:xfrm>
           <a:prstGeom prst="rect">
             <a:avLst/>
@@ -1050,6 +1059,7 @@
         <p:txBody>
           <a:bodyPr lIns="0" rIns="0" tIns="0" bIns="0" anchor="ctr"/>
           <a:p>
+            <a:pPr algn="ctr"/>
             <a:endParaRPr/>
           </a:p>
         </p:txBody>
@@ -1066,8 +1076,8 @@
         </p:nvSpPr>
         <p:spPr>
           <a:xfrm>
-            <a:off x="685800" y="1600200"/>
-            <a:ext cx="3792600" cy="4343040"/>
+            <a:off x="457200" y="1604520"/>
+            <a:ext cx="4015800" cy="3977280"/>
           </a:xfrm>
           <a:prstGeom prst="rect">
             <a:avLst/>
@@ -1092,8 +1102,8 @@
         </p:nvSpPr>
         <p:spPr>
           <a:xfrm>
-            <a:off x="4668480" y="1600200"/>
-            <a:ext cx="3792600" cy="2071440"/>
+            <a:off x="4674240" y="1604520"/>
+            <a:ext cx="4015800" cy="1896840"/>
           </a:xfrm>
           <a:prstGeom prst="rect">
             <a:avLst/>
@@ -1118,8 +1128,8 @@
         </p:nvSpPr>
         <p:spPr>
           <a:xfrm>
-            <a:off x="4668480" y="3868920"/>
-            <a:ext cx="3792600" cy="2071440"/>
+            <a:off x="4674240" y="3682080"/>
+            <a:ext cx="4015800" cy="1896840"/>
           </a:xfrm>
           <a:prstGeom prst="rect">
             <a:avLst/>
@@ -1166,8 +1176,8 @@
         </p:nvSpPr>
         <p:spPr>
           <a:xfrm>
-            <a:off x="685800" y="533520"/>
-            <a:ext cx="7772040" cy="914400"/>
+            <a:off x="457200" y="273600"/>
+            <a:ext cx="8229240" cy="1145160"/>
           </a:xfrm>
           <a:prstGeom prst="rect">
             <a:avLst/>
@@ -1176,6 +1186,7 @@
         <p:txBody>
           <a:bodyPr lIns="0" rIns="0" tIns="0" bIns="0" anchor="ctr"/>
           <a:p>
+            <a:pPr algn="ctr"/>
             <a:endParaRPr/>
           </a:p>
         </p:txBody>
@@ -1192,8 +1203,8 @@
         </p:nvSpPr>
         <p:spPr>
           <a:xfrm>
-            <a:off x="685800" y="1600200"/>
-            <a:ext cx="3792600" cy="2071440"/>
+            <a:off x="457200" y="1604520"/>
+            <a:ext cx="4015800" cy="1896840"/>
           </a:xfrm>
           <a:prstGeom prst="rect">
             <a:avLst/>
@@ -1218,8 +1229,8 @@
         </p:nvSpPr>
         <p:spPr>
           <a:xfrm>
-            <a:off x="4668480" y="1600200"/>
-            <a:ext cx="3792600" cy="2071440"/>
+            <a:off x="4674240" y="1604520"/>
+            <a:ext cx="4015800" cy="1896840"/>
           </a:xfrm>
           <a:prstGeom prst="rect">
             <a:avLst/>
@@ -1244,8 +1255,8 @@
         </p:nvSpPr>
         <p:spPr>
           <a:xfrm>
-            <a:off x="685800" y="3868920"/>
-            <a:ext cx="7772040" cy="2071440"/>
+            <a:off x="457200" y="3682080"/>
+            <a:ext cx="8229240" cy="1896840"/>
           </a:xfrm>
           <a:prstGeom prst="rect">
             <a:avLst/>
@@ -1292,8 +1303,8 @@
         </p:nvSpPr>
         <p:spPr>
           <a:xfrm>
-            <a:off x="685800" y="533520"/>
-            <a:ext cx="7772040" cy="914400"/>
+            <a:off x="457200" y="273600"/>
+            <a:ext cx="8229240" cy="1145160"/>
           </a:xfrm>
           <a:prstGeom prst="rect">
             <a:avLst/>
@@ -1302,6 +1313,7 @@
         <p:txBody>
           <a:bodyPr lIns="0" rIns="0" tIns="0" bIns="0" anchor="ctr"/>
           <a:p>
+            <a:pPr algn="ctr"/>
             <a:endParaRPr/>
           </a:p>
         </p:txBody>
@@ -1318,8 +1330,8 @@
         </p:nvSpPr>
         <p:spPr>
           <a:xfrm>
-            <a:off x="685800" y="1600200"/>
-            <a:ext cx="7772040" cy="2071440"/>
+            <a:off x="457200" y="1604520"/>
+            <a:ext cx="8229240" cy="1896840"/>
           </a:xfrm>
           <a:prstGeom prst="rect">
             <a:avLst/>
@@ -1344,8 +1356,8 @@
         </p:nvSpPr>
         <p:spPr>
           <a:xfrm>
-            <a:off x="685800" y="3868920"/>
-            <a:ext cx="7772040" cy="2071440"/>
+            <a:off x="457200" y="3682080"/>
+            <a:ext cx="8229240" cy="1896840"/>
           </a:xfrm>
           <a:prstGeom prst="rect">
             <a:avLst/>
@@ -1392,8 +1404,8 @@
         </p:nvSpPr>
         <p:spPr>
           <a:xfrm>
-            <a:off x="685800" y="533520"/>
-            <a:ext cx="7772040" cy="914400"/>
+            <a:off x="457200" y="273600"/>
+            <a:ext cx="8229240" cy="1145160"/>
           </a:xfrm>
           <a:prstGeom prst="rect">
             <a:avLst/>
@@ -1402,6 +1414,7 @@
         <p:txBody>
           <a:bodyPr lIns="0" rIns="0" tIns="0" bIns="0" anchor="ctr"/>
           <a:p>
+            <a:pPr algn="ctr"/>
             <a:endParaRPr/>
           </a:p>
         </p:txBody>
@@ -1418,8 +1431,8 @@
         </p:nvSpPr>
         <p:spPr>
           <a:xfrm>
-            <a:off x="685800" y="1600200"/>
-            <a:ext cx="3792600" cy="2071440"/>
+            <a:off x="457200" y="1604520"/>
+            <a:ext cx="4015800" cy="1896840"/>
           </a:xfrm>
           <a:prstGeom prst="rect">
             <a:avLst/>
@@ -1444,8 +1457,8 @@
         </p:nvSpPr>
         <p:spPr>
           <a:xfrm>
-            <a:off x="4668480" y="1600200"/>
-            <a:ext cx="3792600" cy="2071440"/>
+            <a:off x="4674240" y="1604520"/>
+            <a:ext cx="4015800" cy="1896840"/>
           </a:xfrm>
           <a:prstGeom prst="rect">
             <a:avLst/>
@@ -1470,8 +1483,8 @@
         </p:nvSpPr>
         <p:spPr>
           <a:xfrm>
-            <a:off x="4668480" y="3868920"/>
-            <a:ext cx="3792600" cy="2071440"/>
+            <a:off x="4674240" y="3682080"/>
+            <a:ext cx="4015800" cy="1896840"/>
           </a:xfrm>
           <a:prstGeom prst="rect">
             <a:avLst/>
@@ -1496,8 +1509,8 @@
         </p:nvSpPr>
         <p:spPr>
           <a:xfrm>
-            <a:off x="685800" y="3868920"/>
-            <a:ext cx="3792600" cy="2071440"/>
+            <a:off x="457200" y="3682080"/>
+            <a:ext cx="4015800" cy="1896840"/>
           </a:xfrm>
           <a:prstGeom prst="rect">
             <a:avLst/>
@@ -1544,8 +1557,8 @@
         </p:nvSpPr>
         <p:spPr>
           <a:xfrm>
-            <a:off x="685800" y="533520"/>
-            <a:ext cx="7772040" cy="914400"/>
+            <a:off x="457200" y="273600"/>
+            <a:ext cx="8229240" cy="1145160"/>
           </a:xfrm>
           <a:prstGeom prst="rect">
             <a:avLst/>
@@ -1554,6 +1567,7 @@
         <p:txBody>
           <a:bodyPr lIns="0" rIns="0" tIns="0" bIns="0" anchor="ctr"/>
           <a:p>
+            <a:pPr algn="ctr"/>
             <a:endParaRPr/>
           </a:p>
         </p:txBody>
@@ -1570,8 +1584,8 @@
         </p:nvSpPr>
         <p:spPr>
           <a:xfrm>
-            <a:off x="685800" y="1600200"/>
-            <a:ext cx="7772040" cy="4343040"/>
+            <a:off x="457200" y="1604520"/>
+            <a:ext cx="8229240" cy="3977280"/>
           </a:xfrm>
           <a:prstGeom prst="rect">
             <a:avLst/>
@@ -1596,8 +1610,8 @@
         </p:nvSpPr>
         <p:spPr>
           <a:xfrm>
-            <a:off x="685800" y="1600200"/>
-            <a:ext cx="7772040" cy="4343040"/>
+            <a:off x="457200" y="1604520"/>
+            <a:ext cx="8229240" cy="3977280"/>
           </a:xfrm>
           <a:prstGeom prst="rect">
             <a:avLst/>
@@ -1624,8 +1638,8 @@
         </p:blipFill>
         <p:spPr>
           <a:xfrm>
-            <a:off x="1850040" y="1600200"/>
-            <a:ext cx="5443200" cy="4343040"/>
+            <a:off x="2079000" y="1604520"/>
+            <a:ext cx="4984920" cy="3977280"/>
           </a:xfrm>
           <a:prstGeom prst="rect">
             <a:avLst/>
@@ -1649,8 +1663,8 @@
         </p:blipFill>
         <p:spPr>
           <a:xfrm>
-            <a:off x="1850040" y="1600200"/>
-            <a:ext cx="5443200" cy="4343040"/>
+            <a:off x="2079000" y="1604520"/>
+            <a:ext cx="4984920" cy="3977280"/>
           </a:xfrm>
           <a:prstGeom prst="rect">
             <a:avLst/>
@@ -1694,8 +1708,8 @@
         </p:nvSpPr>
         <p:spPr>
           <a:xfrm>
-            <a:off x="685800" y="533520"/>
-            <a:ext cx="7772040" cy="914400"/>
+            <a:off x="457200" y="273600"/>
+            <a:ext cx="8229240" cy="1145160"/>
           </a:xfrm>
           <a:prstGeom prst="rect">
             <a:avLst/>
@@ -1704,6 +1718,7 @@
         <p:txBody>
           <a:bodyPr lIns="0" rIns="0" tIns="0" bIns="0" anchor="ctr"/>
           <a:p>
+            <a:pPr algn="ctr"/>
             <a:endParaRPr/>
           </a:p>
         </p:txBody>
@@ -1720,8 +1735,8 @@
         </p:nvSpPr>
         <p:spPr>
           <a:xfrm>
-            <a:off x="685800" y="1600200"/>
-            <a:ext cx="7772040" cy="4343040"/>
+            <a:off x="457200" y="1604520"/>
+            <a:ext cx="8229240" cy="3977280"/>
           </a:xfrm>
           <a:prstGeom prst="rect">
             <a:avLst/>
@@ -1768,8 +1783,8 @@
         </p:nvSpPr>
         <p:spPr>
           <a:xfrm>
-            <a:off x="685800" y="533520"/>
-            <a:ext cx="7772040" cy="914400"/>
+            <a:off x="457200" y="273600"/>
+            <a:ext cx="8229240" cy="1145160"/>
           </a:xfrm>
           <a:prstGeom prst="rect">
             <a:avLst/>
@@ -1778,6 +1793,7 @@
         <p:txBody>
           <a:bodyPr lIns="0" rIns="0" tIns="0" bIns="0" anchor="ctr"/>
           <a:p>
+            <a:pPr algn="ctr"/>
             <a:endParaRPr/>
           </a:p>
         </p:txBody>
@@ -1794,8 +1810,8 @@
         </p:nvSpPr>
         <p:spPr>
           <a:xfrm>
-            <a:off x="685800" y="1600200"/>
-            <a:ext cx="3792600" cy="4343040"/>
+            <a:off x="457200" y="1604520"/>
+            <a:ext cx="4015800" cy="3977280"/>
           </a:xfrm>
           <a:prstGeom prst="rect">
             <a:avLst/>
@@ -1820,8 +1836,8 @@
         </p:nvSpPr>
         <p:spPr>
           <a:xfrm>
-            <a:off x="4668480" y="1600200"/>
-            <a:ext cx="3792600" cy="4343040"/>
+            <a:off x="4674240" y="1604520"/>
+            <a:ext cx="4015800" cy="3977280"/>
           </a:xfrm>
           <a:prstGeom prst="rect">
             <a:avLst/>
@@ -1868,8 +1884,8 @@
         </p:nvSpPr>
         <p:spPr>
           <a:xfrm>
-            <a:off x="685800" y="533520"/>
-            <a:ext cx="7772040" cy="914400"/>
+            <a:off x="457200" y="273600"/>
+            <a:ext cx="8229240" cy="1145160"/>
           </a:xfrm>
           <a:prstGeom prst="rect">
             <a:avLst/>
@@ -1878,6 +1894,7 @@
         <p:txBody>
           <a:bodyPr lIns="0" rIns="0" tIns="0" bIns="0" anchor="ctr"/>
           <a:p>
+            <a:pPr algn="ctr"/>
             <a:endParaRPr/>
           </a:p>
         </p:txBody>
@@ -1916,8 +1933,8 @@
         </p:nvSpPr>
         <p:spPr>
           <a:xfrm>
-            <a:off x="685800" y="533520"/>
-            <a:ext cx="7772040" cy="4238640"/>
+            <a:off x="457200" y="273600"/>
+            <a:ext cx="8229240" cy="5308200"/>
           </a:xfrm>
           <a:prstGeom prst="rect">
             <a:avLst/>
@@ -1965,8 +1982,8 @@
         </p:nvSpPr>
         <p:spPr>
           <a:xfrm>
-            <a:off x="685800" y="533520"/>
-            <a:ext cx="7772040" cy="914400"/>
+            <a:off x="457200" y="273600"/>
+            <a:ext cx="8229240" cy="1145160"/>
           </a:xfrm>
           <a:prstGeom prst="rect">
             <a:avLst/>
@@ -1975,6 +1992,7 @@
         <p:txBody>
           <a:bodyPr lIns="0" rIns="0" tIns="0" bIns="0" anchor="ctr"/>
           <a:p>
+            <a:pPr algn="ctr"/>
             <a:endParaRPr/>
           </a:p>
         </p:txBody>
@@ -1991,8 +2009,8 @@
         </p:nvSpPr>
         <p:spPr>
           <a:xfrm>
-            <a:off x="685800" y="1600200"/>
-            <a:ext cx="3792600" cy="2071440"/>
+            <a:off x="457200" y="1604520"/>
+            <a:ext cx="4015800" cy="1896840"/>
           </a:xfrm>
           <a:prstGeom prst="rect">
             <a:avLst/>
@@ -2017,8 +2035,8 @@
         </p:nvSpPr>
         <p:spPr>
           <a:xfrm>
-            <a:off x="685800" y="3868920"/>
-            <a:ext cx="3792600" cy="2071440"/>
+            <a:off x="457200" y="3682080"/>
+            <a:ext cx="4015800" cy="1896840"/>
           </a:xfrm>
           <a:prstGeom prst="rect">
             <a:avLst/>
@@ -2043,8 +2061,8 @@
         </p:nvSpPr>
         <p:spPr>
           <a:xfrm>
-            <a:off x="4668480" y="1600200"/>
-            <a:ext cx="3792600" cy="4343040"/>
+            <a:off x="4674240" y="1604520"/>
+            <a:ext cx="4015800" cy="3977280"/>
           </a:xfrm>
           <a:prstGeom prst="rect">
             <a:avLst/>
@@ -2091,8 +2109,8 @@
         </p:nvSpPr>
         <p:spPr>
           <a:xfrm>
-            <a:off x="685800" y="533520"/>
-            <a:ext cx="7772040" cy="914400"/>
+            <a:off x="457200" y="273600"/>
+            <a:ext cx="8229240" cy="1145160"/>
           </a:xfrm>
           <a:prstGeom prst="rect">
             <a:avLst/>
@@ -2101,6 +2119,7 @@
         <p:txBody>
           <a:bodyPr lIns="0" rIns="0" tIns="0" bIns="0" anchor="ctr"/>
           <a:p>
+            <a:pPr algn="ctr"/>
             <a:endParaRPr/>
           </a:p>
         </p:txBody>
@@ -2117,8 +2136,8 @@
         </p:nvSpPr>
         <p:spPr>
           <a:xfrm>
-            <a:off x="685800" y="1600200"/>
-            <a:ext cx="3792600" cy="4343040"/>
+            <a:off x="457200" y="1604520"/>
+            <a:ext cx="4015800" cy="3977280"/>
           </a:xfrm>
           <a:prstGeom prst="rect">
             <a:avLst/>
@@ -2143,8 +2162,8 @@
         </p:nvSpPr>
         <p:spPr>
           <a:xfrm>
-            <a:off x="4668480" y="1600200"/>
-            <a:ext cx="3792600" cy="2071440"/>
+            <a:off x="4674240" y="1604520"/>
+            <a:ext cx="4015800" cy="1896840"/>
           </a:xfrm>
           <a:prstGeom prst="rect">
             <a:avLst/>
@@ -2169,8 +2188,8 @@
         </p:nvSpPr>
         <p:spPr>
           <a:xfrm>
-            <a:off x="4668480" y="3868920"/>
-            <a:ext cx="3792600" cy="2071440"/>
+            <a:off x="4674240" y="3682080"/>
+            <a:ext cx="4015800" cy="1896840"/>
           </a:xfrm>
           <a:prstGeom prst="rect">
             <a:avLst/>
@@ -2217,8 +2236,8 @@
         </p:nvSpPr>
         <p:spPr>
           <a:xfrm>
-            <a:off x="685800" y="533520"/>
-            <a:ext cx="7772040" cy="914400"/>
+            <a:off x="457200" y="273600"/>
+            <a:ext cx="8229240" cy="1145160"/>
           </a:xfrm>
           <a:prstGeom prst="rect">
             <a:avLst/>
@@ -2227,6 +2246,7 @@
         <p:txBody>
           <a:bodyPr lIns="0" rIns="0" tIns="0" bIns="0" anchor="ctr"/>
           <a:p>
+            <a:pPr algn="ctr"/>
             <a:endParaRPr/>
           </a:p>
         </p:txBody>
@@ -2243,8 +2263,8 @@
         </p:nvSpPr>
         <p:spPr>
           <a:xfrm>
-            <a:off x="685800" y="1600200"/>
-            <a:ext cx="3792600" cy="2071440"/>
+            <a:off x="457200" y="1604520"/>
+            <a:ext cx="4015800" cy="1896840"/>
           </a:xfrm>
           <a:prstGeom prst="rect">
             <a:avLst/>
@@ -2269,8 +2289,8 @@
         </p:nvSpPr>
         <p:spPr>
           <a:xfrm>
-            <a:off x="4668480" y="1600200"/>
-            <a:ext cx="3792600" cy="2071440"/>
+            <a:off x="4674240" y="1604520"/>
+            <a:ext cx="4015800" cy="1896840"/>
           </a:xfrm>
           <a:prstGeom prst="rect">
             <a:avLst/>
@@ -2295,8 +2315,8 @@
         </p:nvSpPr>
         <p:spPr>
           <a:xfrm>
-            <a:off x="685800" y="3868920"/>
-            <a:ext cx="7772040" cy="2071440"/>
+            <a:off x="457200" y="3682080"/>
+            <a:ext cx="8229240" cy="1896840"/>
           </a:xfrm>
           <a:prstGeom prst="rect">
             <a:avLst/>
@@ -2353,7 +2373,7 @@
         <p:spPr>
           <a:xfrm>
             <a:off x="0" y="6324480"/>
-            <a:ext cx="9145080" cy="533160"/>
+            <a:ext cx="9144720" cy="532800"/>
           </a:xfrm>
           <a:prstGeom prst="rect">
             <a:avLst/>
@@ -2378,7 +2398,7 @@
         <p:spPr>
           <a:xfrm>
             <a:off x="152280" y="6375240"/>
-            <a:ext cx="1371240" cy="398160"/>
+            <a:ext cx="1370880" cy="397800"/>
           </a:xfrm>
           <a:prstGeom prst="rect">
             <a:avLst/>
@@ -2403,7 +2423,7 @@
         <p:spPr>
           <a:xfrm>
             <a:off x="7581600" y="6374520"/>
-            <a:ext cx="1398960" cy="431640"/>
+            <a:ext cx="1398600" cy="431280"/>
           </a:xfrm>
           <a:prstGeom prst="rect">
             <a:avLst/>
@@ -2428,7 +2448,7 @@
         <p:spPr>
           <a:xfrm>
             <a:off x="4343400" y="6353280"/>
-            <a:ext cx="533160" cy="504360"/>
+            <a:ext cx="532800" cy="504000"/>
           </a:xfrm>
           <a:prstGeom prst="rect">
             <a:avLst/>
@@ -2447,7 +2467,7 @@
         <p:spPr>
           <a:xfrm>
             <a:off x="0" y="6432480"/>
-            <a:ext cx="3744720" cy="363960"/>
+            <a:ext cx="3744360" cy="363600"/>
           </a:xfrm>
           <a:prstGeom prst="rect">
             <a:avLst/>
@@ -2494,7 +2514,7 @@
         <p:spPr>
           <a:xfrm>
             <a:off x="6934320" y="4613400"/>
-            <a:ext cx="2209320" cy="2091960"/>
+            <a:ext cx="2208960" cy="2091600"/>
           </a:xfrm>
           <a:prstGeom prst="rect">
             <a:avLst/>
@@ -2519,7 +2539,7 @@
         <p:spPr>
           <a:xfrm>
             <a:off x="360720" y="5791320"/>
-            <a:ext cx="2590560" cy="753840"/>
+            <a:ext cx="2590200" cy="753480"/>
           </a:xfrm>
           <a:prstGeom prst="rect">
             <a:avLst/>
@@ -2544,7 +2564,7 @@
         <p:spPr>
           <a:xfrm>
             <a:off x="0" y="0"/>
-            <a:ext cx="3400200" cy="5036760"/>
+            <a:ext cx="3399840" cy="5036400"/>
           </a:xfrm>
           <a:prstGeom prst="rect">
             <a:avLst/>
@@ -2554,50 +2574,9 @@
           </a:ln>
         </p:spPr>
       </p:pic>
-      <p:sp>
-        <p:nvSpPr>
-          <p:cNvPr id="8" name="PlaceHolder 2"/>
-          <p:cNvSpPr>
-            <a:spLocks noGrp="1"/>
-          </p:cNvSpPr>
-          <p:nvPr>
-            <p:ph type="title"/>
-          </p:nvPr>
-        </p:nvSpPr>
-        <p:spPr>
-          <a:xfrm>
-            <a:off x="3505320" y="504720"/>
-            <a:ext cx="5257440" cy="1904760"/>
-          </a:xfrm>
-          <a:prstGeom prst="rect">
-            <a:avLst/>
-          </a:prstGeom>
-        </p:spPr>
-        <p:txBody>
-          <a:bodyPr/>
-          <a:p>
-            <a:pPr>
-              <a:lnSpc>
-                <a:spcPct val="100000"/>
-              </a:lnSpc>
-            </a:pPr>
-            <a:r>
-              <a:rPr b="1" lang="en-GB" sz="2800">
-                <a:solidFill>
-                  <a:srgbClr val="333399"/>
-                </a:solidFill>
-                <a:latin typeface="Arial"/>
-                <a:ea typeface="ＭＳ Ｐゴシック"/>
-              </a:rPr>
-              <a:t>Click to edit the title text formatClick to edit Master title style</a:t>
-            </a:r>
-            <a:endParaRPr/>
-          </a:p>
-        </p:txBody>
-      </p:sp>
       <p:pic>
         <p:nvPicPr>
-          <p:cNvPr id="9" name="Picture 1" descr=""/>
+          <p:cNvPr id="8" name="Picture 1" descr=""/>
           <p:cNvPicPr/>
           <p:nvPr/>
         </p:nvPicPr>
@@ -2610,7 +2589,7 @@
         <p:spPr>
           <a:xfrm>
             <a:off x="441360" y="5122800"/>
-            <a:ext cx="2469600" cy="763200"/>
+            <a:ext cx="2469240" cy="762840"/>
           </a:xfrm>
           <a:prstGeom prst="rect">
             <a:avLst/>
@@ -2620,6 +2599,38 @@
           </a:ln>
         </p:spPr>
       </p:pic>
+      <p:sp>
+        <p:nvSpPr>
+          <p:cNvPr id="9" name="PlaceHolder 2"/>
+          <p:cNvSpPr>
+            <a:spLocks noGrp="1"/>
+          </p:cNvSpPr>
+          <p:nvPr>
+            <p:ph type="title"/>
+          </p:nvPr>
+        </p:nvSpPr>
+        <p:spPr>
+          <a:xfrm>
+            <a:off x="685800" y="533520"/>
+            <a:ext cx="7771680" cy="914040"/>
+          </a:xfrm>
+          <a:prstGeom prst="rect">
+            <a:avLst/>
+          </a:prstGeom>
+        </p:spPr>
+        <p:txBody>
+          <a:bodyPr lIns="0" rIns="0" tIns="0" bIns="0" anchor="ctr"/>
+          <a:p>
+            <a:r>
+              <a:rPr lang="en-GB">
+                <a:latin typeface="Arial"/>
+              </a:rPr>
+              <a:t>Click to edit the title text format</a:t>
+            </a:r>
+            <a:endParaRPr/>
+          </a:p>
+        </p:txBody>
+      </p:sp>
       <p:sp>
         <p:nvSpPr>
           <p:cNvPr id="10" name="PlaceHolder 3"/>
@@ -2648,7 +2659,7 @@
               <a:buChar char=""/>
             </a:pPr>
             <a:r>
-              <a:rPr lang="en-GB" sz="2200">
+              <a:rPr lang="en-GB" sz="3200">
                 <a:latin typeface="Arial"/>
               </a:rPr>
               <a:t>Click to edit the outline text format</a:t>
@@ -2662,7 +2673,7 @@
               <a:buChar char=""/>
             </a:pPr>
             <a:r>
-              <a:rPr lang="en-GB" sz="2400">
+              <a:rPr lang="en-GB" sz="2800">
                 <a:latin typeface="Arial"/>
               </a:rPr>
               <a:t>Second Outline Level</a:t>
@@ -2676,7 +2687,7 @@
               <a:buChar char=""/>
             </a:pPr>
             <a:r>
-              <a:rPr lang="en-GB" sz="1600">
+              <a:rPr lang="en-GB" sz="2400">
                 <a:latin typeface="Arial"/>
               </a:rPr>
               <a:t>Third Outline Level</a:t>
@@ -2690,7 +2701,7 @@
               <a:buChar char=""/>
             </a:pPr>
             <a:r>
-              <a:rPr lang="en-GB" sz="1400">
+              <a:rPr lang="en-GB" sz="2000">
                 <a:latin typeface="Arial"/>
               </a:rPr>
               <a:t>Fourth Outline Level</a:t>
@@ -2800,7 +2811,7 @@
         <p:spPr>
           <a:xfrm>
             <a:off x="0" y="6324480"/>
-            <a:ext cx="9145080" cy="533160"/>
+            <a:ext cx="9144720" cy="532800"/>
           </a:xfrm>
           <a:prstGeom prst="rect">
             <a:avLst/>
@@ -2825,7 +2836,7 @@
         <p:spPr>
           <a:xfrm>
             <a:off x="152280" y="6375240"/>
-            <a:ext cx="1371240" cy="398160"/>
+            <a:ext cx="1370880" cy="397800"/>
           </a:xfrm>
           <a:prstGeom prst="rect">
             <a:avLst/>
@@ -2850,7 +2861,7 @@
         <p:spPr>
           <a:xfrm>
             <a:off x="7581600" y="6374520"/>
-            <a:ext cx="1398960" cy="431640"/>
+            <a:ext cx="1398600" cy="431280"/>
           </a:xfrm>
           <a:prstGeom prst="rect">
             <a:avLst/>
@@ -2875,7 +2886,7 @@
         <p:spPr>
           <a:xfrm>
             <a:off x="4343400" y="6353280"/>
-            <a:ext cx="533160" cy="504360"/>
+            <a:ext cx="532800" cy="504000"/>
           </a:xfrm>
           <a:prstGeom prst="rect">
             <a:avLst/>
@@ -2897,30 +2908,22 @@
         </p:nvSpPr>
         <p:spPr>
           <a:xfrm>
-            <a:off x="685800" y="533520"/>
-            <a:ext cx="7772040" cy="914040"/>
-          </a:xfrm>
-          <a:prstGeom prst="rect">
-            <a:avLst/>
-          </a:prstGeom>
-        </p:spPr>
-        <p:txBody>
-          <a:bodyPr/>
-          <a:p>
-            <a:pPr>
-              <a:lnSpc>
-                <a:spcPct val="100000"/>
-              </a:lnSpc>
-            </a:pPr>
+            <a:off x="457200" y="273600"/>
+            <a:ext cx="8229240" cy="1144800"/>
+          </a:xfrm>
+          <a:prstGeom prst="rect">
+            <a:avLst/>
+          </a:prstGeom>
+        </p:spPr>
+        <p:txBody>
+          <a:bodyPr lIns="0" rIns="0" tIns="0" bIns="0" anchor="ctr"/>
+          <a:p>
+            <a:pPr algn="ctr"/>
             <a:r>
-              <a:rPr b="1" lang="en-GB" sz="2800">
-                <a:solidFill>
-                  <a:srgbClr val="333399"/>
-                </a:solidFill>
+              <a:rPr lang="en-GB" sz="4400">
                 <a:latin typeface="Arial"/>
-                <a:ea typeface="ＭＳ Ｐゴシック"/>
               </a:rPr>
-              <a:t>Click to edit the title text formatClick to edit Master title style</a:t>
+              <a:t>Click to edit the title text format</a:t>
             </a:r>
             <a:endParaRPr/>
           </a:p>
@@ -2938,15 +2941,15 @@
         </p:nvSpPr>
         <p:spPr>
           <a:xfrm>
-            <a:off x="685800" y="1600200"/>
-            <a:ext cx="7772040" cy="4343040"/>
-          </a:xfrm>
-          <a:prstGeom prst="rect">
-            <a:avLst/>
-          </a:prstGeom>
-        </p:spPr>
-        <p:txBody>
-          <a:bodyPr/>
+            <a:off x="457200" y="1604520"/>
+            <a:ext cx="8229240" cy="3977280"/>
+          </a:xfrm>
+          <a:prstGeom prst="rect">
+            <a:avLst/>
+          </a:prstGeom>
+        </p:spPr>
+        <p:txBody>
+          <a:bodyPr lIns="0" rIns="0" tIns="0" bIns="0"/>
           <a:p>
             <a:pPr>
               <a:buSzPct val="45000"/>
@@ -2954,12 +2957,8 @@
               <a:buChar char=""/>
             </a:pPr>
             <a:r>
-              <a:rPr lang="en-GB" sz="2200">
-                <a:solidFill>
-                  <a:srgbClr val="000000"/>
-                </a:solidFill>
+              <a:rPr lang="en-GB" sz="3200">
                 <a:latin typeface="Arial"/>
-                <a:ea typeface="ＭＳ Ｐゴシック"/>
               </a:rPr>
               <a:t>Click to edit the outline text format</a:t>
             </a:r>
@@ -2972,12 +2971,8 @@
               <a:buChar char=""/>
             </a:pPr>
             <a:r>
-              <a:rPr lang="en-GB" sz="2200">
-                <a:solidFill>
-                  <a:srgbClr val="000000"/>
-                </a:solidFill>
+              <a:rPr lang="en-GB" sz="2800">
                 <a:latin typeface="Arial"/>
-                <a:ea typeface="ＭＳ Ｐゴシック"/>
               </a:rPr>
               <a:t>Second Outline Level</a:t>
             </a:r>
@@ -2990,12 +2985,8 @@
               <a:buChar char=""/>
             </a:pPr>
             <a:r>
-              <a:rPr lang="en-GB" sz="2200">
-                <a:solidFill>
-                  <a:srgbClr val="000000"/>
-                </a:solidFill>
+              <a:rPr lang="en-GB" sz="2400">
                 <a:latin typeface="Arial"/>
-                <a:ea typeface="ＭＳ Ｐゴシック"/>
               </a:rPr>
               <a:t>Third Outline Level</a:t>
             </a:r>
@@ -3008,12 +2999,8 @@
               <a:buChar char=""/>
             </a:pPr>
             <a:r>
-              <a:rPr lang="en-GB" sz="2200">
-                <a:solidFill>
-                  <a:srgbClr val="000000"/>
-                </a:solidFill>
+              <a:rPr lang="en-GB" sz="2000">
                 <a:latin typeface="Arial"/>
-                <a:ea typeface="ＭＳ Ｐゴシック"/>
               </a:rPr>
               <a:t>Fourth Outline Level</a:t>
             </a:r>
@@ -3026,12 +3013,8 @@
               <a:buChar char=""/>
             </a:pPr>
             <a:r>
-              <a:rPr lang="en-GB" sz="2200">
-                <a:solidFill>
-                  <a:srgbClr val="000000"/>
-                </a:solidFill>
+              <a:rPr lang="en-GB" sz="2000">
                 <a:latin typeface="Arial"/>
-                <a:ea typeface="ＭＳ Ｐゴシック"/>
               </a:rPr>
               <a:t>Fifth Outline Level</a:t>
             </a:r>
@@ -3044,114 +3027,24 @@
               <a:buChar char=""/>
             </a:pPr>
             <a:r>
-              <a:rPr lang="en-GB" sz="2200">
-                <a:solidFill>
-                  <a:srgbClr val="000000"/>
-                </a:solidFill>
+              <a:rPr lang="en-GB" sz="2000">
                 <a:latin typeface="Arial"/>
-                <a:ea typeface="ＭＳ Ｐゴシック"/>
               </a:rPr>
               <a:t>Sixth Outline Level</a:t>
             </a:r>
             <a:endParaRPr/>
           </a:p>
           <a:p>
-            <a:pPr>
-              <a:lnSpc>
-                <a:spcPct val="100000"/>
-              </a:lnSpc>
-              <a:buFont typeface="Times"/>
-              <a:buChar char="•"/>
-            </a:pPr>
-            <a:r>
-              <a:rPr lang="en-GB" sz="2200">
-                <a:solidFill>
-                  <a:srgbClr val="000000"/>
-                </a:solidFill>
-                <a:latin typeface="Arial"/>
-                <a:ea typeface="ＭＳ Ｐゴシック"/>
-              </a:rPr>
-              <a:t>Seventh Outline LevelClick to edit Master text styles</a:t>
-            </a:r>
-            <a:endParaRPr/>
-          </a:p>
-          <a:p>
-            <a:pPr lvl="1">
-              <a:lnSpc>
-                <a:spcPct val="100000"/>
-              </a:lnSpc>
-              <a:buFont typeface="Times"/>
-              <a:buChar char="•"/>
+            <a:pPr lvl="6">
+              <a:buSzPct val="45000"/>
+              <a:buFont typeface="StarSymbol"/>
+              <a:buChar char=""/>
             </a:pPr>
             <a:r>
               <a:rPr lang="en-GB" sz="2000">
-                <a:solidFill>
-                  <a:srgbClr val="000000"/>
-                </a:solidFill>
                 <a:latin typeface="Arial"/>
-                <a:ea typeface="ＭＳ Ｐゴシック"/>
               </a:rPr>
-              <a:t>Second level</a:t>
-            </a:r>
-            <a:endParaRPr/>
-          </a:p>
-          <a:p>
-            <a:pPr lvl="2">
-              <a:lnSpc>
-                <a:spcPct val="100000"/>
-              </a:lnSpc>
-              <a:buFont typeface="Times"/>
-              <a:buChar char="•"/>
-            </a:pPr>
-            <a:r>
-              <a:rPr lang="en-GB" sz="2400">
-                <a:solidFill>
-                  <a:srgbClr val="000000"/>
-                </a:solidFill>
-                <a:latin typeface="Arial"/>
-                <a:ea typeface="ＭＳ Ｐゴシック"/>
-              </a:rPr>
-              <a:t>Third level</a:t>
-            </a:r>
-            <a:endParaRPr/>
-          </a:p>
-          <a:p>
-            <a:pPr lvl="3">
-              <a:lnSpc>
-                <a:spcPct val="100000"/>
-              </a:lnSpc>
-              <a:buFont typeface="Times"/>
-              <a:buChar char="•"/>
-            </a:pPr>
-            <a:r>
-              <a:rPr lang="en-GB" sz="1600">
-                <a:solidFill>
-                  <a:srgbClr val="000000"/>
-                </a:solidFill>
-                <a:latin typeface="Arial"/>
-                <a:ea typeface="ＭＳ Ｐゴシック"/>
-              </a:rPr>
-              <a:t>Fourth level</a:t>
-            </a:r>
-            <a:endParaRPr/>
-          </a:p>
-          <a:p>
-            <a:pPr lvl="4">
-              <a:lnSpc>
-                <a:spcPct val="100000"/>
-              </a:lnSpc>
-              <a:buFont typeface="Times"/>
-              <a:buChar char="•"/>
-            </a:pPr>
-            <a:r>
-              <a:rPr lang="en-GB" sz="1400">
-                <a:solidFill>
-                  <a:srgbClr val="000000"/>
-                </a:solidFill>
-                <a:latin typeface="Arial"/>
-                <a:ea typeface="ＭＳ Ｐゴシック"/>
-              </a:rPr>
-              <a:t>Fifth level</a:t>
+              <a:t>Seventh Outline Level</a:t>
             </a:r>
             <a:endParaRPr/>
           </a:p>
@@ -3196,21 +3089,28 @@
       </p:grpSpPr>
       <p:sp>
         <p:nvSpPr>
-          <p:cNvPr id="85" name="TextShape 1"/>
-          <p:cNvSpPr txBox="1"/>
+          <p:cNvPr id="85" name="CustomShape 1"/>
+          <p:cNvSpPr/>
           <p:nvPr/>
         </p:nvSpPr>
         <p:spPr>
           <a:xfrm>
             <a:off x="3505320" y="504720"/>
-            <a:ext cx="5257440" cy="1904760"/>
-          </a:xfrm>
-          <a:prstGeom prst="rect">
-            <a:avLst/>
-          </a:prstGeom>
-        </p:spPr>
-        <p:txBody>
-          <a:bodyPr/>
+            <a:ext cx="5257080" cy="1904400"/>
+          </a:xfrm>
+          <a:prstGeom prst="rect">
+            <a:avLst/>
+          </a:prstGeom>
+          <a:noFill/>
+          <a:ln>
+            <a:noFill/>
+          </a:ln>
+        </p:spPr>
+        <p:txBody>
+          <a:bodyPr lIns="90000" rIns="90000" tIns="45000" bIns="45000"/>
+          <a:p>
+            <a:endParaRPr/>
+          </a:p>
           <a:p>
             <a:pPr>
               <a:lnSpc>
@@ -3225,50 +3125,33 @@
                 <a:latin typeface="Arial"/>
                 <a:ea typeface="ＭＳ Ｐゴシック"/>
               </a:rPr>
-              <a:t>Advanced:</a:t>
+              <a:t>Statistics with regulatory features</a:t>
             </a:r>
-            <a:r>
-              <a:rPr b="1" lang="en-GB" sz="2800">
-                <a:solidFill>
-                  <a:srgbClr val="333399"/>
-                </a:solidFill>
-                <a:latin typeface="Arial"/>
-                <a:ea typeface="ＭＳ Ｐゴシック"/>
-              </a:rPr>
-              <a:t>
-</a:t>
-            </a:r>
-            <a:r>
-              <a:rPr b="1" lang="en-GB" sz="2800">
-                <a:solidFill>
-                  <a:srgbClr val="333399"/>
-                </a:solidFill>
-                <a:latin typeface="Arial"/>
-                <a:ea typeface="ＭＳ Ｐゴシック"/>
-              </a:rPr>
-              <a:t>Genome-wide statistics with regulatory features</a:t>
-            </a:r>
-            <a:endParaRPr/>
-          </a:p>
-        </p:txBody>
-      </p:sp>
-      <p:sp>
-        <p:nvSpPr>
-          <p:cNvPr id="86" name="TextShape 2"/>
-          <p:cNvSpPr txBox="1"/>
+            <a:endParaRPr/>
+          </a:p>
+        </p:txBody>
+      </p:sp>
+      <p:sp>
+        <p:nvSpPr>
+          <p:cNvPr id="86" name="CustomShape 2"/>
+          <p:cNvSpPr/>
           <p:nvPr/>
         </p:nvSpPr>
         <p:spPr>
           <a:xfrm>
             <a:off x="3505320" y="2409840"/>
-            <a:ext cx="5257440" cy="1752120"/>
-          </a:xfrm>
-          <a:prstGeom prst="rect">
-            <a:avLst/>
-          </a:prstGeom>
-        </p:spPr>
-        <p:txBody>
-          <a:bodyPr/>
+            <a:ext cx="5257080" cy="1751760"/>
+          </a:xfrm>
+          <a:prstGeom prst="rect">
+            <a:avLst/>
+          </a:prstGeom>
+          <a:noFill/>
+          <a:ln>
+            <a:noFill/>
+          </a:ln>
+        </p:spPr>
+        <p:txBody>
+          <a:bodyPr lIns="90000" rIns="90000" tIns="45000" bIns="45000"/>
           <a:p>
             <a:pPr>
               <a:lnSpc>
@@ -3340,21 +3223,25 @@
       </p:grpSpPr>
       <p:sp>
         <p:nvSpPr>
-          <p:cNvPr id="87" name="TextShape 1"/>
-          <p:cNvSpPr txBox="1"/>
+          <p:cNvPr id="87" name="CustomShape 1"/>
+          <p:cNvSpPr/>
           <p:nvPr/>
         </p:nvSpPr>
         <p:spPr>
           <a:xfrm>
             <a:off x="685800" y="533520"/>
-            <a:ext cx="7772040" cy="914040"/>
-          </a:xfrm>
-          <a:prstGeom prst="rect">
-            <a:avLst/>
-          </a:prstGeom>
-        </p:spPr>
-        <p:txBody>
-          <a:bodyPr/>
+            <a:ext cx="7771680" cy="913680"/>
+          </a:xfrm>
+          <a:prstGeom prst="rect">
+            <a:avLst/>
+          </a:prstGeom>
+          <a:noFill/>
+          <a:ln>
+            <a:noFill/>
+          </a:ln>
+        </p:spPr>
+        <p:txBody>
+          <a:bodyPr lIns="90000" rIns="90000" tIns="45000" bIns="45000"/>
           <a:p>
             <a:pPr>
               <a:lnSpc>
@@ -3377,21 +3264,25 @@
       </p:sp>
       <p:sp>
         <p:nvSpPr>
-          <p:cNvPr id="88" name="TextShape 2"/>
-          <p:cNvSpPr txBox="1"/>
+          <p:cNvPr id="88" name="CustomShape 2"/>
+          <p:cNvSpPr/>
           <p:nvPr/>
         </p:nvSpPr>
         <p:spPr>
           <a:xfrm>
             <a:off x="685800" y="1600200"/>
-            <a:ext cx="7772040" cy="4343040"/>
-          </a:xfrm>
-          <a:prstGeom prst="rect">
-            <a:avLst/>
-          </a:prstGeom>
-        </p:spPr>
-        <p:txBody>
-          <a:bodyPr/>
+            <a:ext cx="7771680" cy="4342680"/>
+          </a:xfrm>
+          <a:prstGeom prst="rect">
+            <a:avLst/>
+          </a:prstGeom>
+          <a:noFill/>
+          <a:ln>
+            <a:noFill/>
+          </a:ln>
+        </p:spPr>
+        <p:txBody>
+          <a:bodyPr lIns="90000" rIns="90000" tIns="45000" bIns="45000"/>
           <a:p>
             <a:pPr>
               <a:lnSpc>
@@ -3545,21 +3436,25 @@
       </p:grpSpPr>
       <p:sp>
         <p:nvSpPr>
-          <p:cNvPr id="89" name="TextShape 1"/>
-          <p:cNvSpPr txBox="1"/>
+          <p:cNvPr id="89" name="CustomShape 1"/>
+          <p:cNvSpPr/>
           <p:nvPr/>
         </p:nvSpPr>
         <p:spPr>
           <a:xfrm>
             <a:off x="685800" y="533520"/>
-            <a:ext cx="7772040" cy="914040"/>
-          </a:xfrm>
-          <a:prstGeom prst="rect">
-            <a:avLst/>
-          </a:prstGeom>
-        </p:spPr>
-        <p:txBody>
-          <a:bodyPr/>
+            <a:ext cx="7771680" cy="913680"/>
+          </a:xfrm>
+          <a:prstGeom prst="rect">
+            <a:avLst/>
+          </a:prstGeom>
+          <a:noFill/>
+          <a:ln>
+            <a:noFill/>
+          </a:ln>
+        </p:spPr>
+        <p:txBody>
+          <a:bodyPr lIns="90000" rIns="90000" tIns="45000" bIns="45000"/>
           <a:p>
             <a:pPr>
               <a:lnSpc>
@@ -3582,21 +3477,25 @@
       </p:sp>
       <p:sp>
         <p:nvSpPr>
-          <p:cNvPr id="90" name="TextShape 2"/>
-          <p:cNvSpPr txBox="1"/>
+          <p:cNvPr id="90" name="CustomShape 2"/>
+          <p:cNvSpPr/>
           <p:nvPr/>
         </p:nvSpPr>
         <p:spPr>
           <a:xfrm>
             <a:off x="685800" y="1600200"/>
-            <a:ext cx="7772040" cy="4343040"/>
-          </a:xfrm>
-          <a:prstGeom prst="rect">
-            <a:avLst/>
-          </a:prstGeom>
-        </p:spPr>
-        <p:txBody>
-          <a:bodyPr/>
+            <a:ext cx="7771680" cy="4342680"/>
+          </a:xfrm>
+          <a:prstGeom prst="rect">
+            <a:avLst/>
+          </a:prstGeom>
+          <a:noFill/>
+          <a:ln>
+            <a:noFill/>
+          </a:ln>
+        </p:spPr>
+        <p:txBody>
+          <a:bodyPr lIns="90000" rIns="90000" tIns="45000" bIns="45000"/>
           <a:p>
             <a:pPr>
               <a:lnSpc>
@@ -3778,21 +3677,25 @@
       </p:grpSpPr>
       <p:sp>
         <p:nvSpPr>
-          <p:cNvPr id="91" name="TextShape 1"/>
-          <p:cNvSpPr txBox="1"/>
+          <p:cNvPr id="91" name="CustomShape 1"/>
+          <p:cNvSpPr/>
           <p:nvPr/>
         </p:nvSpPr>
         <p:spPr>
           <a:xfrm>
             <a:off x="685800" y="533520"/>
-            <a:ext cx="7772040" cy="914040"/>
-          </a:xfrm>
-          <a:prstGeom prst="rect">
-            <a:avLst/>
-          </a:prstGeom>
-        </p:spPr>
-        <p:txBody>
-          <a:bodyPr/>
+            <a:ext cx="7771680" cy="913680"/>
+          </a:xfrm>
+          <a:prstGeom prst="rect">
+            <a:avLst/>
+          </a:prstGeom>
+          <a:noFill/>
+          <a:ln>
+            <a:noFill/>
+          </a:ln>
+        </p:spPr>
+        <p:txBody>
+          <a:bodyPr lIns="90000" rIns="90000" tIns="45000" bIns="45000"/>
           <a:p>
             <a:pPr>
               <a:lnSpc>
@@ -3821,7 +3724,7 @@
         </p:nvPicPr>
         <p:blipFill>
           <a:blip r:embed="rId1"/>
-          <a:srcRect l="0" t="-4798" r="0" b="-4798"/>
+          <a:srcRect l="0" t="-4790" r="0" b="-4790"/>
           <a:stretch>
             <a:fillRect/>
           </a:stretch>
@@ -3829,7 +3732,7 @@
         <p:spPr>
           <a:xfrm>
             <a:off x="685800" y="1600200"/>
-            <a:ext cx="7772040" cy="4343040"/>
+            <a:ext cx="7771680" cy="4342680"/>
           </a:xfrm>
           <a:prstGeom prst="rect">
             <a:avLst/>
@@ -3890,21 +3793,25 @@
       </p:grpSpPr>
       <p:sp>
         <p:nvSpPr>
-          <p:cNvPr id="93" name="TextShape 1"/>
-          <p:cNvSpPr txBox="1"/>
+          <p:cNvPr id="93" name="CustomShape 1"/>
+          <p:cNvSpPr/>
           <p:nvPr/>
         </p:nvSpPr>
         <p:spPr>
           <a:xfrm>
             <a:off x="685800" y="533520"/>
-            <a:ext cx="7772040" cy="914040"/>
-          </a:xfrm>
-          <a:prstGeom prst="rect">
-            <a:avLst/>
-          </a:prstGeom>
-        </p:spPr>
-        <p:txBody>
-          <a:bodyPr/>
+            <a:ext cx="7771680" cy="913680"/>
+          </a:xfrm>
+          <a:prstGeom prst="rect">
+            <a:avLst/>
+          </a:prstGeom>
+          <a:noFill/>
+          <a:ln>
+            <a:noFill/>
+          </a:ln>
+        </p:spPr>
+        <p:txBody>
+          <a:bodyPr lIns="90000" rIns="90000" tIns="45000" bIns="45000"/>
           <a:p>
             <a:pPr>
               <a:lnSpc>
@@ -3927,21 +3834,25 @@
       </p:sp>
       <p:sp>
         <p:nvSpPr>
-          <p:cNvPr id="94" name="TextShape 2"/>
-          <p:cNvSpPr txBox="1"/>
+          <p:cNvPr id="94" name="CustomShape 2"/>
+          <p:cNvSpPr/>
           <p:nvPr/>
         </p:nvSpPr>
         <p:spPr>
           <a:xfrm>
             <a:off x="685800" y="1600200"/>
-            <a:ext cx="7772040" cy="4343040"/>
-          </a:xfrm>
-          <a:prstGeom prst="rect">
-            <a:avLst/>
-          </a:prstGeom>
-        </p:spPr>
-        <p:txBody>
-          <a:bodyPr/>
+            <a:ext cx="7771680" cy="4342680"/>
+          </a:xfrm>
+          <a:prstGeom prst="rect">
+            <a:avLst/>
+          </a:prstGeom>
+          <a:noFill/>
+          <a:ln>
+            <a:noFill/>
+          </a:ln>
+        </p:spPr>
+        <p:txBody>
+          <a:bodyPr lIns="90000" rIns="90000" tIns="45000" bIns="45000"/>
           <a:p>
             <a:pPr>
               <a:lnSpc>
@@ -4095,21 +4006,25 @@
       </p:grpSpPr>
       <p:sp>
         <p:nvSpPr>
-          <p:cNvPr id="95" name="TextShape 1"/>
-          <p:cNvSpPr txBox="1"/>
+          <p:cNvPr id="95" name="CustomShape 1"/>
+          <p:cNvSpPr/>
           <p:nvPr/>
         </p:nvSpPr>
         <p:spPr>
           <a:xfrm>
             <a:off x="685800" y="533520"/>
-            <a:ext cx="7772040" cy="914040"/>
-          </a:xfrm>
-          <a:prstGeom prst="rect">
-            <a:avLst/>
-          </a:prstGeom>
-        </p:spPr>
-        <p:txBody>
-          <a:bodyPr/>
+            <a:ext cx="7771680" cy="913680"/>
+          </a:xfrm>
+          <a:prstGeom prst="rect">
+            <a:avLst/>
+          </a:prstGeom>
+          <a:noFill/>
+          <a:ln>
+            <a:noFill/>
+          </a:ln>
+        </p:spPr>
+        <p:txBody>
+          <a:bodyPr lIns="90000" rIns="90000" tIns="45000" bIns="45000"/>
           <a:p>
             <a:pPr>
               <a:lnSpc>
@@ -4132,21 +4047,25 @@
       </p:sp>
       <p:sp>
         <p:nvSpPr>
-          <p:cNvPr id="96" name="TextShape 2"/>
-          <p:cNvSpPr txBox="1"/>
+          <p:cNvPr id="96" name="CustomShape 2"/>
+          <p:cNvSpPr/>
           <p:nvPr/>
         </p:nvSpPr>
         <p:spPr>
           <a:xfrm>
             <a:off x="685800" y="1600200"/>
-            <a:ext cx="7772040" cy="4343040"/>
-          </a:xfrm>
-          <a:prstGeom prst="rect">
-            <a:avLst/>
-          </a:prstGeom>
-        </p:spPr>
-        <p:txBody>
-          <a:bodyPr/>
+            <a:ext cx="7771680" cy="4342680"/>
+          </a:xfrm>
+          <a:prstGeom prst="rect">
+            <a:avLst/>
+          </a:prstGeom>
+          <a:noFill/>
+          <a:ln>
+            <a:noFill/>
+          </a:ln>
+        </p:spPr>
+        <p:txBody>
+          <a:bodyPr lIns="90000" rIns="90000" tIns="45000" bIns="45000"/>
           <a:p>
             <a:pPr algn="just">
               <a:lnSpc>
